--- a/_posts/OpenTsdb基本原理副本.pptx
+++ b/_posts/OpenTsdb基本原理副本.pptx
@@ -5,10 +5,10 @@
     <p:sldMasterId id="2147483660" r:id="rId1"/>
   </p:sldMasterIdLst>
   <p:notesMasterIdLst>
-    <p:notesMasterId r:id="rId26"/>
+    <p:notesMasterId r:id="rId27"/>
   </p:notesMasterIdLst>
   <p:handoutMasterIdLst>
-    <p:handoutMasterId r:id="rId27"/>
+    <p:handoutMasterId r:id="rId28"/>
   </p:handoutMasterIdLst>
   <p:sldIdLst>
     <p:sldId id="256" r:id="rId2"/>
@@ -32,9 +32,10 @@
     <p:sldId id="360" r:id="rId20"/>
     <p:sldId id="359" r:id="rId21"/>
     <p:sldId id="361" r:id="rId22"/>
-    <p:sldId id="362" r:id="rId23"/>
-    <p:sldId id="363" r:id="rId24"/>
-    <p:sldId id="330" r:id="rId25"/>
+    <p:sldId id="364" r:id="rId23"/>
+    <p:sldId id="362" r:id="rId24"/>
+    <p:sldId id="363" r:id="rId25"/>
+    <p:sldId id="330" r:id="rId26"/>
   </p:sldIdLst>
   <p:sldSz cx="12192000" cy="6858000"/>
   <p:notesSz cx="6858000" cy="9144000"/>
@@ -163,6 +164,7 @@
             <p14:sldId id="360"/>
             <p14:sldId id="359"/>
             <p14:sldId id="361"/>
+            <p14:sldId id="364"/>
             <p14:sldId id="362"/>
             <p14:sldId id="363"/>
             <p14:sldId id="330"/>
@@ -301,7 +303,7 @@
                 <a:latin typeface="微软雅黑" panose="020B0503020204020204" pitchFamily="34" charset="-122"/>
                 <a:ea typeface="微软雅黑" panose="020B0503020204020204" pitchFamily="34" charset="-122"/>
               </a:rPr>
-              <a:t>2018年11月19日</a:t>
+              <a:t>2018年11月21日</a:t>
             </a:fld>
             <a:endParaRPr lang="en-US" dirty="0">
               <a:latin typeface="微软雅黑" panose="020B0503020204020204" pitchFamily="34" charset="-122"/>
@@ -488,7 +490,7 @@
             <a:fld id="{10717CCD-7153-4CFA-8FE4-043AE2A91A48}" type="datetime2">
               <a:rPr lang="zh-CN" altLang="en-US" smtClean="0"/>
               <a:pPr/>
-              <a:t>2018年11月19日</a:t>
+              <a:t>2018年11月21日</a:t>
             </a:fld>
             <a:endParaRPr lang="en-US" dirty="0"/>
           </a:p>
@@ -1569,7 +1571,7 @@
           <a:p>
             <a:fld id="{B6646B47-A73D-4F6F-AD82-C99F4E62F746}" type="datetime2">
               <a:rPr lang="zh-CN" altLang="en-US" smtClean="0"/>
-              <a:t>2018年11月19日</a:t>
+              <a:t>2018年11月21日</a:t>
             </a:fld>
             <a:endParaRPr lang="en-US" dirty="0"/>
           </a:p>
@@ -2253,7 +2255,7 @@
           <a:p>
             <a:fld id="{9A0CFC2C-DA54-4396-A846-1816F2961B91}" type="datetime2">
               <a:rPr lang="zh-CN" altLang="en-US" smtClean="0"/>
-              <a:t>2018年11月19日</a:t>
+              <a:t>2018年11月21日</a:t>
             </a:fld>
             <a:endParaRPr lang="en-US" dirty="0"/>
           </a:p>
@@ -7531,6 +7533,319 @@
         </p:nvSpPr>
         <p:spPr/>
         <p:txBody>
+          <a:bodyPr>
+            <a:normAutofit/>
+          </a:bodyPr>
+          <a:lstStyle/>
+          <a:p>
+            <a:r>
+              <a:rPr lang="zh-CN" altLang="en-US" dirty="0" smtClean="0"/>
+              <a:t>系统提供的</a:t>
+            </a:r>
+            <a:r>
+              <a:rPr lang="en-US" altLang="zh-CN" dirty="0" smtClean="0"/>
+              <a:t>Aggregators</a:t>
+            </a:r>
+            <a:endParaRPr lang="zh-CN" altLang="en-US" dirty="0"/>
+          </a:p>
+        </p:txBody>
+      </p:sp>
+      <p:sp>
+        <p:nvSpPr>
+          <p:cNvPr id="5" name="矩形 4"/>
+          <p:cNvSpPr/>
+          <p:nvPr/>
+        </p:nvSpPr>
+        <p:spPr>
+          <a:xfrm>
+            <a:off x="521207" y="1204690"/>
+            <a:ext cx="8895471" cy="5493812"/>
+          </a:xfrm>
+          <a:prstGeom prst="rect">
+            <a:avLst/>
+          </a:prstGeom>
+        </p:spPr>
+        <p:txBody>
+          <a:bodyPr wrap="square">
+            <a:spAutoFit/>
+          </a:bodyPr>
+          <a:lstStyle/>
+          <a:p>
+            <a:pPr>
+              <a:lnSpc>
+                <a:spcPct val="150000"/>
+              </a:lnSpc>
+            </a:pPr>
+            <a:r>
+              <a:rPr lang="en-US" altLang="zh-CN" dirty="0" err="1" smtClean="0"/>
+              <a:t>Avg</a:t>
+            </a:r>
+            <a:r>
+              <a:rPr lang="zh-CN" altLang="en-US" dirty="0" smtClean="0"/>
+              <a:t>：平均值</a:t>
+            </a:r>
+            <a:endParaRPr lang="en-US" altLang="zh-CN" dirty="0"/>
+          </a:p>
+          <a:p>
+            <a:pPr>
+              <a:lnSpc>
+                <a:spcPct val="150000"/>
+              </a:lnSpc>
+            </a:pPr>
+            <a:r>
+              <a:rPr lang="en-US" altLang="zh-CN" dirty="0" smtClean="0"/>
+              <a:t>Count</a:t>
+            </a:r>
+            <a:r>
+              <a:rPr lang="zh-CN" altLang="en-US" dirty="0" smtClean="0"/>
+              <a:t>：计数</a:t>
+            </a:r>
+            <a:endParaRPr lang="en-US" altLang="zh-CN" dirty="0"/>
+          </a:p>
+          <a:p>
+            <a:pPr>
+              <a:lnSpc>
+                <a:spcPct val="150000"/>
+              </a:lnSpc>
+            </a:pPr>
+            <a:r>
+              <a:rPr lang="en-US" altLang="zh-CN" dirty="0" smtClean="0"/>
+              <a:t>Dev</a:t>
+            </a:r>
+            <a:r>
+              <a:rPr lang="zh-CN" altLang="en-US" dirty="0" smtClean="0"/>
+              <a:t>：方差</a:t>
+            </a:r>
+            <a:endParaRPr lang="en-US" altLang="zh-CN" dirty="0"/>
+          </a:p>
+          <a:p>
+            <a:pPr>
+              <a:lnSpc>
+                <a:spcPct val="150000"/>
+              </a:lnSpc>
+            </a:pPr>
+            <a:r>
+              <a:rPr lang="en-US" altLang="zh-CN" dirty="0"/>
+              <a:t>Estimated </a:t>
+            </a:r>
+            <a:r>
+              <a:rPr lang="en-US" altLang="zh-CN" dirty="0" smtClean="0"/>
+              <a:t>Percentiles</a:t>
+            </a:r>
+            <a:r>
+              <a:rPr lang="zh-CN" altLang="en-US" dirty="0" smtClean="0"/>
+              <a:t>：</a:t>
+            </a:r>
+            <a:r>
+              <a:rPr lang="en-US" altLang="zh-CN" dirty="0" smtClean="0"/>
+              <a:t>N</a:t>
+            </a:r>
+            <a:r>
+              <a:rPr lang="zh-CN" altLang="en-US" dirty="0" smtClean="0"/>
+              <a:t>分位数（会通过算法剔除某些值）</a:t>
+            </a:r>
+            <a:endParaRPr lang="en-US" altLang="zh-CN" dirty="0"/>
+          </a:p>
+          <a:p>
+            <a:pPr>
+              <a:lnSpc>
+                <a:spcPct val="150000"/>
+              </a:lnSpc>
+            </a:pPr>
+            <a:r>
+              <a:rPr lang="en-US" altLang="zh-CN" dirty="0"/>
+              <a:t>First &amp; </a:t>
+            </a:r>
+            <a:r>
+              <a:rPr lang="en-US" altLang="zh-CN" dirty="0" smtClean="0"/>
+              <a:t>Last</a:t>
+            </a:r>
+            <a:r>
+              <a:rPr lang="zh-CN" altLang="en-US" dirty="0" smtClean="0"/>
+              <a:t>：第一个，最后一个</a:t>
+            </a:r>
+            <a:endParaRPr lang="en-US" altLang="zh-CN" dirty="0"/>
+          </a:p>
+          <a:p>
+            <a:pPr>
+              <a:lnSpc>
+                <a:spcPct val="150000"/>
+              </a:lnSpc>
+            </a:pPr>
+            <a:r>
+              <a:rPr lang="en-US" altLang="zh-CN" dirty="0" smtClean="0"/>
+              <a:t>Max</a:t>
+            </a:r>
+            <a:r>
+              <a:rPr lang="zh-CN" altLang="en-US" dirty="0" smtClean="0"/>
+              <a:t>：最大值（插值）</a:t>
+            </a:r>
+            <a:endParaRPr lang="en-US" altLang="zh-CN" dirty="0"/>
+          </a:p>
+          <a:p>
+            <a:pPr>
+              <a:lnSpc>
+                <a:spcPct val="150000"/>
+              </a:lnSpc>
+            </a:pPr>
+            <a:r>
+              <a:rPr lang="en-US" altLang="zh-CN" dirty="0" err="1" smtClean="0"/>
+              <a:t>MimMin</a:t>
+            </a:r>
+            <a:r>
+              <a:rPr lang="zh-CN" altLang="en-US" dirty="0" smtClean="0"/>
+              <a:t>：最小值（不插值）</a:t>
+            </a:r>
+            <a:endParaRPr lang="en-US" altLang="zh-CN" dirty="0"/>
+          </a:p>
+          <a:p>
+            <a:pPr>
+              <a:lnSpc>
+                <a:spcPct val="150000"/>
+              </a:lnSpc>
+            </a:pPr>
+            <a:r>
+              <a:rPr lang="en-US" altLang="zh-CN" dirty="0" err="1" smtClean="0"/>
+              <a:t>MimMax</a:t>
+            </a:r>
+            <a:r>
+              <a:rPr lang="zh-CN" altLang="en-US" dirty="0" smtClean="0"/>
+              <a:t>：最大值（不插值）</a:t>
+            </a:r>
+            <a:endParaRPr lang="en-US" altLang="zh-CN" dirty="0"/>
+          </a:p>
+          <a:p>
+            <a:pPr>
+              <a:lnSpc>
+                <a:spcPct val="150000"/>
+              </a:lnSpc>
+            </a:pPr>
+            <a:r>
+              <a:rPr lang="en-US" altLang="zh-CN" dirty="0" smtClean="0"/>
+              <a:t>Min</a:t>
+            </a:r>
+            <a:r>
+              <a:rPr lang="zh-CN" altLang="en-US" dirty="0" smtClean="0"/>
+              <a:t>：最小值（插值）</a:t>
+            </a:r>
+            <a:endParaRPr lang="en-US" altLang="zh-CN" dirty="0"/>
+          </a:p>
+          <a:p>
+            <a:pPr>
+              <a:lnSpc>
+                <a:spcPct val="150000"/>
+              </a:lnSpc>
+            </a:pPr>
+            <a:r>
+              <a:rPr lang="en-US" altLang="zh-CN" dirty="0" smtClean="0"/>
+              <a:t>None</a:t>
+            </a:r>
+            <a:r>
+              <a:rPr lang="zh-CN" altLang="en-US" dirty="0" smtClean="0"/>
+              <a:t>：不聚合</a:t>
+            </a:r>
+            <a:endParaRPr lang="en-US" altLang="zh-CN" dirty="0"/>
+          </a:p>
+          <a:p>
+            <a:pPr>
+              <a:lnSpc>
+                <a:spcPct val="150000"/>
+              </a:lnSpc>
+            </a:pPr>
+            <a:r>
+              <a:rPr lang="en-US" altLang="zh-CN" dirty="0" smtClean="0"/>
+              <a:t>Percentiles</a:t>
+            </a:r>
+            <a:r>
+              <a:rPr lang="zh-CN" altLang="en-US" dirty="0" smtClean="0"/>
+              <a:t>：</a:t>
+            </a:r>
+            <a:r>
+              <a:rPr lang="en-US" altLang="zh-CN" dirty="0" smtClean="0"/>
+              <a:t>N</a:t>
+            </a:r>
+            <a:r>
+              <a:rPr lang="zh-CN" altLang="en-US" dirty="0" smtClean="0"/>
+              <a:t>位数</a:t>
+            </a:r>
+            <a:endParaRPr lang="en-US" altLang="zh-CN" dirty="0"/>
+          </a:p>
+          <a:p>
+            <a:pPr>
+              <a:lnSpc>
+                <a:spcPct val="150000"/>
+              </a:lnSpc>
+            </a:pPr>
+            <a:r>
+              <a:rPr lang="en-US" altLang="zh-CN" dirty="0" smtClean="0"/>
+              <a:t>Sum</a:t>
+            </a:r>
+            <a:r>
+              <a:rPr lang="zh-CN" altLang="en-US" dirty="0" smtClean="0"/>
+              <a:t>：求和（插值）</a:t>
+            </a:r>
+            <a:endParaRPr lang="en-US" altLang="zh-CN" dirty="0"/>
+          </a:p>
+          <a:p>
+            <a:pPr>
+              <a:lnSpc>
+                <a:spcPct val="150000"/>
+              </a:lnSpc>
+            </a:pPr>
+            <a:r>
+              <a:rPr lang="en-US" altLang="zh-CN" dirty="0" err="1" smtClean="0"/>
+              <a:t>ZimSum</a:t>
+            </a:r>
+            <a:r>
+              <a:rPr lang="zh-CN" altLang="en-US" dirty="0" smtClean="0"/>
+              <a:t>：求和（不插值）</a:t>
+            </a:r>
+            <a:endParaRPr lang="zh-CN" altLang="en-US" dirty="0"/>
+          </a:p>
+        </p:txBody>
+      </p:sp>
+    </p:spTree>
+    <p:extLst>
+      <p:ext uri="{BB962C8B-B14F-4D97-AF65-F5344CB8AC3E}">
+        <p14:creationId xmlns:p14="http://schemas.microsoft.com/office/powerpoint/2010/main" val="2836367488"/>
+      </p:ext>
+    </p:extLst>
+  </p:cSld>
+  <p:clrMapOvr>
+    <a:masterClrMapping/>
+  </p:clrMapOvr>
+</p:sld>
+</file>
+
+<file path=ppt/slides/slide23.xml><?xml version="1.0" encoding="utf-8"?>
+<p:sld xmlns:a="http://schemas.openxmlformats.org/drawingml/2006/main" xmlns:r="http://schemas.openxmlformats.org/officeDocument/2006/relationships" xmlns:p="http://schemas.openxmlformats.org/presentationml/2006/main">
+  <p:cSld>
+    <p:spTree>
+      <p:nvGrpSpPr>
+        <p:cNvPr id="1" name=""/>
+        <p:cNvGrpSpPr/>
+        <p:nvPr/>
+      </p:nvGrpSpPr>
+      <p:grpSpPr>
+        <a:xfrm>
+          <a:off x="0" y="0"/>
+          <a:ext cx="0" cy="0"/>
+          <a:chOff x="0" y="0"/>
+          <a:chExt cx="0" cy="0"/>
+        </a:xfrm>
+      </p:grpSpPr>
+      <p:sp>
+        <p:nvSpPr>
+          <p:cNvPr id="2" name="标题 1"/>
+          <p:cNvSpPr>
+            <a:spLocks noGrp="1"/>
+          </p:cNvSpPr>
+          <p:nvPr>
+            <p:ph type="title"/>
+          </p:nvPr>
+        </p:nvSpPr>
+        <p:spPr/>
+        <p:txBody>
           <a:bodyPr/>
           <a:lstStyle/>
           <a:p>
@@ -7700,7 +8015,7 @@
 </p:sld>
 </file>
 
-<file path=ppt/slides/slide23.xml><?xml version="1.0" encoding="utf-8"?>
+<file path=ppt/slides/slide24.xml><?xml version="1.0" encoding="utf-8"?>
 <p:sld xmlns:a="http://schemas.openxmlformats.org/drawingml/2006/main" xmlns:r="http://schemas.openxmlformats.org/officeDocument/2006/relationships" xmlns:p="http://schemas.openxmlformats.org/presentationml/2006/main">
   <p:cSld>
     <p:spTree>
@@ -8210,6 +8525,56 @@
           </a:p>
         </p:txBody>
       </p:sp>
+      <p:sp>
+        <p:nvSpPr>
+          <p:cNvPr id="8" name="矩形 7"/>
+          <p:cNvSpPr/>
+          <p:nvPr/>
+        </p:nvSpPr>
+        <p:spPr>
+          <a:xfrm>
+            <a:off x="8224907" y="5334767"/>
+            <a:ext cx="3071451" cy="646331"/>
+          </a:xfrm>
+          <a:prstGeom prst="rect">
+            <a:avLst/>
+          </a:prstGeom>
+          <a:solidFill>
+            <a:srgbClr val="92D050"/>
+          </a:solidFill>
+        </p:spPr>
+        <p:txBody>
+          <a:bodyPr wrap="square">
+            <a:spAutoFit/>
+          </a:bodyPr>
+          <a:lstStyle/>
+          <a:p>
+            <a:pPr marL="285750" indent="-285750">
+              <a:buFont typeface="Wingdings" panose="05000000000000000000" pitchFamily="2" charset="2"/>
+              <a:buChar char="p"/>
+            </a:pPr>
+            <a:r>
+              <a:rPr lang="zh-CN" altLang="en-US" dirty="0" smtClean="0"/>
+              <a:t>优化五：值过滤</a:t>
+            </a:r>
+            <a:endParaRPr lang="en-US" altLang="zh-CN" dirty="0" smtClean="0"/>
+          </a:p>
+          <a:p>
+            <a:pPr marL="285750" indent="-285750">
+              <a:buFont typeface="Wingdings" panose="05000000000000000000" pitchFamily="2" charset="2"/>
+              <a:buChar char="p"/>
+            </a:pPr>
+            <a:r>
+              <a:rPr lang="zh-CN" altLang="en-US" dirty="0" smtClean="0"/>
+              <a:t>优化六：</a:t>
+            </a:r>
+            <a:r>
+              <a:rPr lang="en-US" altLang="zh-CN" dirty="0" smtClean="0"/>
+              <a:t>Compaction</a:t>
+            </a:r>
+          </a:p>
+        </p:txBody>
+      </p:sp>
     </p:spTree>
     <p:extLst>
       <p:ext uri="{BB962C8B-B14F-4D97-AF65-F5344CB8AC3E}">
@@ -8230,7 +8595,7 @@
 </p:sld>
 </file>
 
-<file path=ppt/slides/slide24.xml><?xml version="1.0" encoding="utf-8"?>
+<file path=ppt/slides/slide25.xml><?xml version="1.0" encoding="utf-8"?>
 <p:sld xmlns:a="http://schemas.openxmlformats.org/drawingml/2006/main" xmlns:r="http://schemas.openxmlformats.org/officeDocument/2006/relationships" xmlns:p="http://schemas.openxmlformats.org/presentationml/2006/main">
   <p:cSld>
     <p:spTree>
@@ -8436,11 +8801,7 @@
             </a:pPr>
             <a:r>
               <a:rPr lang="zh-CN" altLang="en-US" sz="2400" dirty="0"/>
-              <a:t>时间</a:t>
-            </a:r>
-            <a:r>
-              <a:rPr lang="zh-CN" altLang="en-US" sz="2400" dirty="0"/>
-              <a:t>戳（</a:t>
+              <a:t>时间戳（</a:t>
             </a:r>
             <a:r>
               <a:rPr lang="en-US" altLang="zh-CN" sz="2400" dirty="0"/>
@@ -8470,11 +8831,7 @@
             </a:pPr>
             <a:r>
               <a:rPr lang="zh-CN" altLang="en-US" sz="2400" dirty="0"/>
-              <a:t>数值</a:t>
-            </a:r>
-            <a:r>
-              <a:rPr lang="zh-CN" altLang="en-US" sz="2400" dirty="0"/>
-              <a:t>（</a:t>
+              <a:t>数值（</a:t>
             </a:r>
             <a:r>
               <a:rPr lang="en-US" altLang="zh-CN" sz="2400" dirty="0"/>
@@ -8520,11 +8877,7 @@
             </a:pPr>
             <a:r>
               <a:rPr lang="zh-CN" altLang="en-US" sz="2400" dirty="0"/>
-              <a:t>标签</a:t>
-            </a:r>
-            <a:r>
-              <a:rPr lang="zh-CN" altLang="en-US" sz="2400" dirty="0"/>
-              <a:t>（</a:t>
+              <a:t>标签（</a:t>
             </a:r>
             <a:r>
               <a:rPr lang="en-US" altLang="zh-CN" sz="2400" dirty="0"/>
@@ -8594,11 +8947,7 @@
             </a:pPr>
             <a:r>
               <a:rPr lang="zh-CN" altLang="en-US" sz="2400" dirty="0"/>
-              <a:t>数据</a:t>
-            </a:r>
-            <a:r>
-              <a:rPr lang="zh-CN" altLang="en-US" sz="2400" dirty="0"/>
-              <a:t>点（</a:t>
+              <a:t>数据点（</a:t>
             </a:r>
             <a:r>
               <a:rPr lang="en-US" altLang="zh-CN" sz="2400" dirty="0"/>
@@ -8724,15 +9073,7 @@
             </a:r>
             <a:r>
               <a:rPr lang="zh-CN" altLang="en-US" dirty="0" smtClean="0"/>
-              <a:t> ：</a:t>
-            </a:r>
-            <a:r>
-              <a:rPr lang="zh-CN" altLang="en-US" dirty="0" smtClean="0"/>
-              <a:t>又称为时间线，</a:t>
-            </a:r>
-            <a:r>
-              <a:rPr lang="zh-CN" altLang="en-US" dirty="0" smtClean="0"/>
-              <a:t>“</a:t>
+              <a:t> ：又称为时间线，“</a:t>
             </a:r>
             <a:r>
               <a:rPr lang="en-US" altLang="zh-CN" dirty="0"/>
@@ -8846,9 +9187,6 @@
               </a:rPr>
               <a:t>数据</a:t>
             </a:r>
-            <a:endParaRPr lang="zh-CN" altLang="en-US" dirty="0">
-              <a:cs typeface="Segoe UI Light" panose="020B0502040204020203" pitchFamily="34" charset="0"/>
-            </a:endParaRPr>
           </a:p>
         </p:txBody>
       </p:sp>
@@ -11773,12 +12111,6 @@
               </a:rPr>
               <a:t>, timestamp=1528879705287, value=\x00\x00\x01 </a:t>
             </a:r>
-            <a:endParaRPr lang="en-US" altLang="zh-CN" dirty="0">
-              <a:solidFill>
-                <a:srgbClr val="777777"/>
-              </a:solidFill>
-              <a:ea typeface="Source Sans Pro"/>
-            </a:endParaRPr>
           </a:p>
           <a:p>
             <a:pPr lvl="0"/>

--- a/_posts/OpenTsdb基本原理副本.pptx
+++ b/_posts/OpenTsdb基本原理副本.pptx
@@ -303,7 +303,7 @@
                 <a:latin typeface="微软雅黑" panose="020B0503020204020204" pitchFamily="34" charset="-122"/>
                 <a:ea typeface="微软雅黑" panose="020B0503020204020204" pitchFamily="34" charset="-122"/>
               </a:rPr>
-              <a:t>2018年11月21日</a:t>
+              <a:t>2018年11月22日</a:t>
             </a:fld>
             <a:endParaRPr lang="en-US" dirty="0">
               <a:latin typeface="微软雅黑" panose="020B0503020204020204" pitchFamily="34" charset="-122"/>
@@ -490,7 +490,7 @@
             <a:fld id="{10717CCD-7153-4CFA-8FE4-043AE2A91A48}" type="datetime2">
               <a:rPr lang="zh-CN" altLang="en-US" smtClean="0"/>
               <a:pPr/>
-              <a:t>2018年11月21日</a:t>
+              <a:t>2018年11月22日</a:t>
             </a:fld>
             <a:endParaRPr lang="en-US" dirty="0"/>
           </a:p>
@@ -1571,7 +1571,7 @@
           <a:p>
             <a:fld id="{B6646B47-A73D-4F6F-AD82-C99F4E62F746}" type="datetime2">
               <a:rPr lang="zh-CN" altLang="en-US" smtClean="0"/>
-              <a:t>2018年11月21日</a:t>
+              <a:t>2018年11月22日</a:t>
             </a:fld>
             <a:endParaRPr lang="en-US" dirty="0"/>
           </a:p>
@@ -2255,7 +2255,7 @@
           <a:p>
             <a:fld id="{9A0CFC2C-DA54-4396-A846-1816F2961B91}" type="datetime2">
               <a:rPr lang="zh-CN" altLang="en-US" smtClean="0"/>
-              <a:t>2018年11月21日</a:t>
+              <a:t>2018年11月22日</a:t>
             </a:fld>
             <a:endParaRPr lang="en-US" dirty="0"/>
           </a:p>
@@ -7814,6 +7814,13 @@
   <p:clrMapOvr>
     <a:masterClrMapping/>
   </p:clrMapOvr>
+  <p:timing>
+    <p:tnLst>
+      <p:par>
+        <p:cTn id="1" dur="indefinite" restart="never" nodeType="tmRoot"/>
+      </p:par>
+    </p:tnLst>
+  </p:timing>
 </p:sld>
 </file>
 
